--- a/性能优化/演示文稿1.pptx
+++ b/性能优化/演示文稿1.pptx
@@ -17,14 +17,19 @@
     <p:sldId id="300" r:id="rId10"/>
     <p:sldId id="322" r:id="rId11"/>
     <p:sldId id="323" r:id="rId12"/>
-    <p:sldId id="279" r:id="rId13"/>
-    <p:sldId id="314" r:id="rId14"/>
-    <p:sldId id="299" r:id="rId15"/>
-    <p:sldId id="282" r:id="rId16"/>
-    <p:sldId id="298" r:id="rId17"/>
-    <p:sldId id="283" r:id="rId18"/>
-    <p:sldId id="284" r:id="rId19"/>
-    <p:sldId id="285" r:id="rId20"/>
+    <p:sldId id="332" r:id="rId13"/>
+    <p:sldId id="333" r:id="rId14"/>
+    <p:sldId id="334" r:id="rId15"/>
+    <p:sldId id="335" r:id="rId16"/>
+    <p:sldId id="336" r:id="rId17"/>
+    <p:sldId id="279" r:id="rId18"/>
+    <p:sldId id="314" r:id="rId19"/>
+    <p:sldId id="299" r:id="rId20"/>
+    <p:sldId id="282" r:id="rId21"/>
+    <p:sldId id="298" r:id="rId22"/>
+    <p:sldId id="283" r:id="rId23"/>
+    <p:sldId id="284" r:id="rId24"/>
+    <p:sldId id="285" r:id="rId25"/>
   </p:sldIdLst>
   <p:sldSz cx="12192000" cy="6858000"/>
   <p:notesSz cx="6858000" cy="9144000"/>
@@ -776,7 +781,7 @@
         <a:spcBef>
           <a:spcPts val="1000"/>
         </a:spcBef>
-        <a:buFont typeface="Arial" panose="020B0604020202090204" pitchFamily="34" charset="0"/>
+        <a:buFont typeface="Arial" panose="020B0604020202020204" pitchFamily="34" charset="0"/>
         <a:buChar char="•"/>
         <a:defRPr sz="2800" kern="1200">
           <a:solidFill>
@@ -794,7 +799,7 @@
         <a:spcBef>
           <a:spcPts val="500"/>
         </a:spcBef>
-        <a:buFont typeface="Arial" panose="020B0604020202090204" pitchFamily="34" charset="0"/>
+        <a:buFont typeface="Arial" panose="020B0604020202020204" pitchFamily="34" charset="0"/>
         <a:buChar char="•"/>
         <a:defRPr sz="2400" kern="1200">
           <a:solidFill>
@@ -812,7 +817,7 @@
         <a:spcBef>
           <a:spcPts val="500"/>
         </a:spcBef>
-        <a:buFont typeface="Arial" panose="020B0604020202090204" pitchFamily="34" charset="0"/>
+        <a:buFont typeface="Arial" panose="020B0604020202020204" pitchFamily="34" charset="0"/>
         <a:buChar char="•"/>
         <a:defRPr sz="2000" kern="1200">
           <a:solidFill>
@@ -830,7 +835,7 @@
         <a:spcBef>
           <a:spcPts val="500"/>
         </a:spcBef>
-        <a:buFont typeface="Arial" panose="020B0604020202090204" pitchFamily="34" charset="0"/>
+        <a:buFont typeface="Arial" panose="020B0604020202020204" pitchFamily="34" charset="0"/>
         <a:buChar char="•"/>
         <a:defRPr sz="1800" kern="1200">
           <a:solidFill>
@@ -848,7 +853,7 @@
         <a:spcBef>
           <a:spcPts val="500"/>
         </a:spcBef>
-        <a:buFont typeface="Arial" panose="020B0604020202090204" pitchFamily="34" charset="0"/>
+        <a:buFont typeface="Arial" panose="020B0604020202020204" pitchFamily="34" charset="0"/>
         <a:buChar char="•"/>
         <a:defRPr sz="1800" kern="1200">
           <a:solidFill>
@@ -866,7 +871,7 @@
         <a:spcBef>
           <a:spcPts val="500"/>
         </a:spcBef>
-        <a:buFont typeface="Arial" panose="020B0604020202090204" pitchFamily="34" charset="0"/>
+        <a:buFont typeface="Arial" panose="020B0604020202020204" pitchFamily="34" charset="0"/>
         <a:buChar char="•"/>
         <a:defRPr sz="1800" kern="1200">
           <a:solidFill>
@@ -884,7 +889,7 @@
         <a:spcBef>
           <a:spcPts val="500"/>
         </a:spcBef>
-        <a:buFont typeface="Arial" panose="020B0604020202090204" pitchFamily="34" charset="0"/>
+        <a:buFont typeface="Arial" panose="020B0604020202020204" pitchFamily="34" charset="0"/>
         <a:buChar char="•"/>
         <a:defRPr sz="1800" kern="1200">
           <a:solidFill>
@@ -902,7 +907,7 @@
         <a:spcBef>
           <a:spcPts val="500"/>
         </a:spcBef>
-        <a:buFont typeface="Arial" panose="020B0604020202090204" pitchFamily="34" charset="0"/>
+        <a:buFont typeface="Arial" panose="020B0604020202020204" pitchFamily="34" charset="0"/>
         <a:buChar char="•"/>
         <a:defRPr sz="1800" kern="1200">
           <a:solidFill>
@@ -920,7 +925,7 @@
         <a:spcBef>
           <a:spcPts val="500"/>
         </a:spcBef>
-        <a:buFont typeface="Arial" panose="020B0604020202090204" pitchFamily="34" charset="0"/>
+        <a:buFont typeface="Arial" panose="020B0604020202020204" pitchFamily="34" charset="0"/>
         <a:buChar char="•"/>
         <a:defRPr sz="1800" kern="1200">
           <a:solidFill>
@@ -1768,6 +1773,635 @@
 </file>
 
 <file path=ppt/slides/slide10.xml><?xml version="1.0" encoding="utf-8"?>
+<p:sld xmlns:a="http://schemas.openxmlformats.org/drawingml/2006/main" xmlns:r="http://schemas.openxmlformats.org/officeDocument/2006/relationships" xmlns:p="http://schemas.openxmlformats.org/presentationml/2006/main">
+  <p:cSld>
+    <p:spTree>
+      <p:nvGrpSpPr>
+        <p:cNvPr id="1" name=""/>
+        <p:cNvGrpSpPr/>
+        <p:nvPr/>
+      </p:nvGrpSpPr>
+      <p:grpSpPr/>
+      <p:sp>
+        <p:nvSpPr>
+          <p:cNvPr id="9" name="文本框 8"/>
+          <p:cNvSpPr txBox="1"/>
+          <p:nvPr/>
+        </p:nvSpPr>
+        <p:spPr>
+          <a:xfrm>
+            <a:off x="295910" y="246380"/>
+            <a:ext cx="11633200" cy="368300"/>
+          </a:xfrm>
+          <a:prstGeom prst="rect">
+            <a:avLst/>
+          </a:prstGeom>
+          <a:noFill/>
+        </p:spPr>
+        <p:txBody>
+          <a:bodyPr wrap="square" rtlCol="0">
+            <a:spAutoFit/>
+          </a:bodyPr>
+          <a:p>
+            <a:pPr algn="l"/>
+            <a:r>
+              <a:rPr lang="zh-CN" altLang="en-US"/>
+              <a:t>为什么</a:t>
+            </a:r>
+            <a:r>
+              <a:rPr lang="en-US" altLang="zh-CN">
+                <a:latin typeface="微软雅黑" panose="020B0503020204020204" charset="-122"/>
+                <a:ea typeface="微软雅黑" panose="020B0503020204020204" charset="-122"/>
+                <a:sym typeface="+mn-ea"/>
+              </a:rPr>
+              <a:t>antdesign icons</a:t>
+            </a:r>
+            <a:r>
+              <a:rPr lang="zh-CN" altLang="en-US">
+                <a:latin typeface="微软雅黑" panose="020B0503020204020204" charset="-122"/>
+                <a:ea typeface="微软雅黑" panose="020B0503020204020204" charset="-122"/>
+                <a:sym typeface="+mn-ea"/>
+              </a:rPr>
+              <a:t>要按需引入？</a:t>
+            </a:r>
+            <a:endParaRPr lang="en-US" altLang="zh-CN">
+              <a:latin typeface="微软雅黑" panose="020B0503020204020204" charset="-122"/>
+              <a:ea typeface="微软雅黑" panose="020B0503020204020204" charset="-122"/>
+              <a:sym typeface="+mn-ea"/>
+            </a:endParaRPr>
+          </a:p>
+        </p:txBody>
+      </p:sp>
+      <p:pic>
+        <p:nvPicPr>
+          <p:cNvPr id="4" name="图片 3" descr="15"/>
+          <p:cNvPicPr>
+            <a:picLocks noChangeAspect="1"/>
+          </p:cNvPicPr>
+          <p:nvPr/>
+        </p:nvPicPr>
+        <p:blipFill>
+          <a:blip r:embed="rId1"/>
+          <a:stretch>
+            <a:fillRect/>
+          </a:stretch>
+        </p:blipFill>
+        <p:spPr>
+          <a:xfrm>
+            <a:off x="6125210" y="845185"/>
+            <a:ext cx="5896610" cy="5560695"/>
+          </a:xfrm>
+          <a:prstGeom prst="rect">
+            <a:avLst/>
+          </a:prstGeom>
+        </p:spPr>
+      </p:pic>
+      <p:pic>
+        <p:nvPicPr>
+          <p:cNvPr id="5" name="图片 4" descr="22"/>
+          <p:cNvPicPr>
+            <a:picLocks noChangeAspect="1"/>
+          </p:cNvPicPr>
+          <p:nvPr/>
+        </p:nvPicPr>
+        <p:blipFill>
+          <a:blip r:embed="rId2"/>
+          <a:stretch>
+            <a:fillRect/>
+          </a:stretch>
+        </p:blipFill>
+        <p:spPr>
+          <a:xfrm>
+            <a:off x="295910" y="2018030"/>
+            <a:ext cx="5724525" cy="3367405"/>
+          </a:xfrm>
+          <a:prstGeom prst="rect">
+            <a:avLst/>
+          </a:prstGeom>
+        </p:spPr>
+      </p:pic>
+    </p:spTree>
+  </p:cSld>
+  <p:clrMapOvr>
+    <a:masterClrMapping/>
+  </p:clrMapOvr>
+</p:sld>
+</file>
+
+<file path=ppt/slides/slide11.xml><?xml version="1.0" encoding="utf-8"?>
+<p:sld xmlns:a="http://schemas.openxmlformats.org/drawingml/2006/main" xmlns:r="http://schemas.openxmlformats.org/officeDocument/2006/relationships" xmlns:p="http://schemas.openxmlformats.org/presentationml/2006/main">
+  <p:cSld>
+    <p:spTree>
+      <p:nvGrpSpPr>
+        <p:cNvPr id="1" name=""/>
+        <p:cNvGrpSpPr/>
+        <p:nvPr/>
+      </p:nvGrpSpPr>
+      <p:grpSpPr/>
+      <p:sp>
+        <p:nvSpPr>
+          <p:cNvPr id="9" name="文本框 8"/>
+          <p:cNvSpPr txBox="1"/>
+          <p:nvPr/>
+        </p:nvSpPr>
+        <p:spPr>
+          <a:xfrm>
+            <a:off x="295910" y="246380"/>
+            <a:ext cx="11633200" cy="368300"/>
+          </a:xfrm>
+          <a:prstGeom prst="rect">
+            <a:avLst/>
+          </a:prstGeom>
+          <a:noFill/>
+        </p:spPr>
+        <p:txBody>
+          <a:bodyPr wrap="square" rtlCol="0">
+            <a:spAutoFit/>
+          </a:bodyPr>
+          <a:p>
+            <a:pPr algn="l"/>
+            <a:r>
+              <a:rPr lang="zh-CN" altLang="en-US">
+                <a:latin typeface="微软雅黑" panose="020B0503020204020204" charset="-122"/>
+                <a:ea typeface="微软雅黑" panose="020B0503020204020204" charset="-122"/>
+                <a:sym typeface="+mn-ea"/>
+              </a:rPr>
+              <a:t>如何按需</a:t>
+            </a:r>
+            <a:r>
+              <a:rPr lang="zh-CN" altLang="en-US">
+                <a:latin typeface="微软雅黑" panose="020B0503020204020204" charset="-122"/>
+                <a:ea typeface="微软雅黑" panose="020B0503020204020204" charset="-122"/>
+                <a:sym typeface="+mn-ea"/>
+              </a:rPr>
+              <a:t>引入？</a:t>
+            </a:r>
+            <a:endParaRPr lang="en-US" altLang="zh-CN">
+              <a:latin typeface="微软雅黑" panose="020B0503020204020204" charset="-122"/>
+              <a:ea typeface="微软雅黑" panose="020B0503020204020204" charset="-122"/>
+              <a:sym typeface="+mn-ea"/>
+            </a:endParaRPr>
+          </a:p>
+        </p:txBody>
+      </p:sp>
+      <p:sp>
+        <p:nvSpPr>
+          <p:cNvPr id="2" name="文本框 1"/>
+          <p:cNvSpPr txBox="1"/>
+          <p:nvPr/>
+        </p:nvSpPr>
+        <p:spPr>
+          <a:xfrm>
+            <a:off x="295910" y="709930"/>
+            <a:ext cx="11633200" cy="306705"/>
+          </a:xfrm>
+          <a:prstGeom prst="rect">
+            <a:avLst/>
+          </a:prstGeom>
+          <a:noFill/>
+        </p:spPr>
+        <p:txBody>
+          <a:bodyPr wrap="square" rtlCol="0">
+            <a:spAutoFit/>
+          </a:bodyPr>
+          <a:p>
+            <a:pPr algn="l"/>
+            <a:r>
+              <a:rPr lang="en-US" altLang="zh-CN" sz="1400">
+                <a:latin typeface="微软雅黑" panose="020B0503020204020204" charset="-122"/>
+                <a:ea typeface="微软雅黑" panose="020B0503020204020204" charset="-122"/>
+                <a:sym typeface="+mn-ea"/>
+              </a:rPr>
+              <a:t>1. </a:t>
+            </a:r>
+            <a:r>
+              <a:rPr lang="zh-CN" altLang="en-US" sz="1400">
+                <a:latin typeface="微软雅黑" panose="020B0503020204020204" charset="-122"/>
+                <a:ea typeface="微软雅黑" panose="020B0503020204020204" charset="-122"/>
+                <a:sym typeface="+mn-ea"/>
+              </a:rPr>
+              <a:t>手动修改代码</a:t>
+            </a:r>
+            <a:endParaRPr lang="zh-CN" altLang="en-US" sz="1400">
+              <a:latin typeface="微软雅黑" panose="020B0503020204020204" charset="-122"/>
+              <a:ea typeface="微软雅黑" panose="020B0503020204020204" charset="-122"/>
+              <a:sym typeface="+mn-ea"/>
+            </a:endParaRPr>
+          </a:p>
+        </p:txBody>
+      </p:sp>
+      <p:pic>
+        <p:nvPicPr>
+          <p:cNvPr id="5" name="图片 4" descr="16"/>
+          <p:cNvPicPr>
+            <a:picLocks noChangeAspect="1"/>
+          </p:cNvPicPr>
+          <p:nvPr/>
+        </p:nvPicPr>
+        <p:blipFill>
+          <a:blip r:embed="rId1"/>
+          <a:stretch>
+            <a:fillRect/>
+          </a:stretch>
+        </p:blipFill>
+        <p:spPr>
+          <a:xfrm>
+            <a:off x="295910" y="1111885"/>
+            <a:ext cx="6391275" cy="1857375"/>
+          </a:xfrm>
+          <a:prstGeom prst="rect">
+            <a:avLst/>
+          </a:prstGeom>
+        </p:spPr>
+      </p:pic>
+      <p:pic>
+        <p:nvPicPr>
+          <p:cNvPr id="10" name="图片 9" descr="18"/>
+          <p:cNvPicPr>
+            <a:picLocks noChangeAspect="1"/>
+          </p:cNvPicPr>
+          <p:nvPr/>
+        </p:nvPicPr>
+        <p:blipFill>
+          <a:blip r:embed="rId2"/>
+          <a:stretch>
+            <a:fillRect/>
+          </a:stretch>
+        </p:blipFill>
+        <p:spPr>
+          <a:xfrm>
+            <a:off x="295910" y="3064510"/>
+            <a:ext cx="6884670" cy="3364865"/>
+          </a:xfrm>
+          <a:prstGeom prst="rect">
+            <a:avLst/>
+          </a:prstGeom>
+        </p:spPr>
+      </p:pic>
+    </p:spTree>
+  </p:cSld>
+  <p:clrMapOvr>
+    <a:masterClrMapping/>
+  </p:clrMapOvr>
+</p:sld>
+</file>
+
+<file path=ppt/slides/slide12.xml><?xml version="1.0" encoding="utf-8"?>
+<p:sld xmlns:a="http://schemas.openxmlformats.org/drawingml/2006/main" xmlns:r="http://schemas.openxmlformats.org/officeDocument/2006/relationships" xmlns:p="http://schemas.openxmlformats.org/presentationml/2006/main">
+  <p:cSld>
+    <p:spTree>
+      <p:nvGrpSpPr>
+        <p:cNvPr id="1" name=""/>
+        <p:cNvGrpSpPr/>
+        <p:nvPr/>
+      </p:nvGrpSpPr>
+      <p:grpSpPr/>
+      <p:sp>
+        <p:nvSpPr>
+          <p:cNvPr id="3" name="文本框 2"/>
+          <p:cNvSpPr txBox="1"/>
+          <p:nvPr/>
+        </p:nvSpPr>
+        <p:spPr>
+          <a:xfrm>
+            <a:off x="295910" y="740410"/>
+            <a:ext cx="11633200" cy="306705"/>
+          </a:xfrm>
+          <a:prstGeom prst="rect">
+            <a:avLst/>
+          </a:prstGeom>
+          <a:noFill/>
+        </p:spPr>
+        <p:txBody>
+          <a:bodyPr wrap="square" rtlCol="0">
+            <a:spAutoFit/>
+          </a:bodyPr>
+          <a:p>
+            <a:pPr algn="l"/>
+            <a:r>
+              <a:rPr lang="en-US" altLang="zh-CN" sz="1400">
+                <a:latin typeface="微软雅黑" panose="020B0503020204020204" charset="-122"/>
+                <a:ea typeface="微软雅黑" panose="020B0503020204020204" charset="-122"/>
+                <a:sym typeface="+mn-ea"/>
+              </a:rPr>
+              <a:t>2. </a:t>
+            </a:r>
+            <a:r>
+              <a:rPr lang="zh-CN" altLang="en-US" sz="1400">
+                <a:latin typeface="微软雅黑" panose="020B0503020204020204" charset="-122"/>
+                <a:ea typeface="微软雅黑" panose="020B0503020204020204" charset="-122"/>
+                <a:sym typeface="+mn-ea"/>
+              </a:rPr>
+              <a:t>使用</a:t>
+            </a:r>
+            <a:r>
+              <a:rPr lang="en-US" altLang="zh-CN" sz="1400">
+                <a:latin typeface="微软雅黑" panose="020B0503020204020204" charset="-122"/>
+                <a:ea typeface="微软雅黑" panose="020B0503020204020204" charset="-122"/>
+                <a:sym typeface="+mn-ea"/>
+              </a:rPr>
+              <a:t>2.0</a:t>
+            </a:r>
+            <a:r>
+              <a:rPr lang="zh-CN" altLang="en-US" sz="1400">
+                <a:latin typeface="微软雅黑" panose="020B0503020204020204" charset="-122"/>
+                <a:ea typeface="微软雅黑" panose="020B0503020204020204" charset="-122"/>
+                <a:sym typeface="+mn-ea"/>
+              </a:rPr>
+              <a:t>版本</a:t>
+            </a:r>
+            <a:endParaRPr lang="zh-CN" altLang="en-US" sz="1400">
+              <a:latin typeface="微软雅黑" panose="020B0503020204020204" charset="-122"/>
+              <a:ea typeface="微软雅黑" panose="020B0503020204020204" charset="-122"/>
+              <a:sym typeface="+mn-ea"/>
+            </a:endParaRPr>
+          </a:p>
+        </p:txBody>
+      </p:sp>
+      <p:pic>
+        <p:nvPicPr>
+          <p:cNvPr id="4" name="图片 3" descr="20"/>
+          <p:cNvPicPr>
+            <a:picLocks noChangeAspect="1"/>
+          </p:cNvPicPr>
+          <p:nvPr/>
+        </p:nvPicPr>
+        <p:blipFill>
+          <a:blip r:embed="rId1"/>
+          <a:stretch>
+            <a:fillRect/>
+          </a:stretch>
+        </p:blipFill>
+        <p:spPr>
+          <a:xfrm>
+            <a:off x="295910" y="1386840"/>
+            <a:ext cx="8410575" cy="4829175"/>
+          </a:xfrm>
+          <a:prstGeom prst="rect">
+            <a:avLst/>
+          </a:prstGeom>
+        </p:spPr>
+      </p:pic>
+    </p:spTree>
+  </p:cSld>
+  <p:clrMapOvr>
+    <a:masterClrMapping/>
+  </p:clrMapOvr>
+</p:sld>
+</file>
+
+<file path=ppt/slides/slide13.xml><?xml version="1.0" encoding="utf-8"?>
+<p:sld xmlns:a="http://schemas.openxmlformats.org/drawingml/2006/main" xmlns:r="http://schemas.openxmlformats.org/officeDocument/2006/relationships" xmlns:p="http://schemas.openxmlformats.org/presentationml/2006/main">
+  <p:cSld>
+    <p:spTree>
+      <p:nvGrpSpPr>
+        <p:cNvPr id="1" name=""/>
+        <p:cNvGrpSpPr/>
+        <p:nvPr/>
+      </p:nvGrpSpPr>
+      <p:grpSpPr/>
+      <p:sp>
+        <p:nvSpPr>
+          <p:cNvPr id="9" name="文本框 8"/>
+          <p:cNvSpPr txBox="1"/>
+          <p:nvPr/>
+        </p:nvSpPr>
+        <p:spPr>
+          <a:xfrm>
+            <a:off x="295910" y="246380"/>
+            <a:ext cx="11633200" cy="368300"/>
+          </a:xfrm>
+          <a:prstGeom prst="rect">
+            <a:avLst/>
+          </a:prstGeom>
+          <a:noFill/>
+        </p:spPr>
+        <p:txBody>
+          <a:bodyPr wrap="square" rtlCol="0">
+            <a:spAutoFit/>
+          </a:bodyPr>
+          <a:p>
+            <a:r>
+              <a:rPr lang="zh-CN" altLang="en-US"/>
+              <a:t>为什么要</a:t>
+            </a:r>
+            <a:r>
+              <a:rPr lang="zh-CN" altLang="en-US">
+                <a:latin typeface="微软雅黑" panose="020B0503020204020204" charset="-122"/>
+                <a:ea typeface="微软雅黑" panose="020B0503020204020204" charset="-122"/>
+                <a:sym typeface="+mn-ea"/>
+              </a:rPr>
+              <a:t>使用</a:t>
+            </a:r>
+            <a:r>
+              <a:rPr lang="en-US" altLang="zh-CN">
+                <a:latin typeface="微软雅黑" panose="020B0503020204020204" charset="-122"/>
+                <a:ea typeface="微软雅黑" panose="020B0503020204020204" charset="-122"/>
+                <a:sym typeface="+mn-ea"/>
+              </a:rPr>
+              <a:t>dayjs</a:t>
+            </a:r>
+            <a:r>
+              <a:rPr lang="zh-CN" altLang="en-US">
+                <a:latin typeface="微软雅黑" panose="020B0503020204020204" charset="-122"/>
+                <a:ea typeface="微软雅黑" panose="020B0503020204020204" charset="-122"/>
+                <a:sym typeface="+mn-ea"/>
+              </a:rPr>
+              <a:t>替换</a:t>
+            </a:r>
+            <a:r>
+              <a:rPr lang="en-US" altLang="zh-CN">
+                <a:latin typeface="微软雅黑" panose="020B0503020204020204" charset="-122"/>
+                <a:ea typeface="微软雅黑" panose="020B0503020204020204" charset="-122"/>
+                <a:sym typeface="+mn-ea"/>
+              </a:rPr>
+              <a:t>momentjs</a:t>
+            </a:r>
+            <a:r>
+              <a:rPr lang="en-US" altLang="zh-CN">
+                <a:latin typeface="微软雅黑" panose="020B0503020204020204" charset="-122"/>
+                <a:ea typeface="微软雅黑" panose="020B0503020204020204" charset="-122"/>
+                <a:sym typeface="+mn-ea"/>
+              </a:rPr>
+              <a:t>?</a:t>
+            </a:r>
+            <a:endParaRPr lang="en-US" altLang="zh-CN">
+              <a:latin typeface="微软雅黑" panose="020B0503020204020204" charset="-122"/>
+              <a:ea typeface="微软雅黑" panose="020B0503020204020204" charset="-122"/>
+              <a:sym typeface="+mn-ea"/>
+            </a:endParaRPr>
+          </a:p>
+        </p:txBody>
+      </p:sp>
+      <p:pic>
+        <p:nvPicPr>
+          <p:cNvPr id="4" name="图片 3" descr="24"/>
+          <p:cNvPicPr>
+            <a:picLocks noChangeAspect="1"/>
+          </p:cNvPicPr>
+          <p:nvPr/>
+        </p:nvPicPr>
+        <p:blipFill>
+          <a:blip r:embed="rId1"/>
+          <a:stretch>
+            <a:fillRect/>
+          </a:stretch>
+        </p:blipFill>
+        <p:spPr>
+          <a:xfrm>
+            <a:off x="5904865" y="614680"/>
+            <a:ext cx="6196965" cy="4213860"/>
+          </a:xfrm>
+          <a:prstGeom prst="rect">
+            <a:avLst/>
+          </a:prstGeom>
+        </p:spPr>
+      </p:pic>
+      <p:pic>
+        <p:nvPicPr>
+          <p:cNvPr id="5" name="图片 4" descr="25"/>
+          <p:cNvPicPr>
+            <a:picLocks noChangeAspect="1"/>
+          </p:cNvPicPr>
+          <p:nvPr/>
+        </p:nvPicPr>
+        <p:blipFill>
+          <a:blip r:embed="rId2"/>
+          <a:stretch>
+            <a:fillRect/>
+          </a:stretch>
+        </p:blipFill>
+        <p:spPr>
+          <a:xfrm>
+            <a:off x="295910" y="690880"/>
+            <a:ext cx="3797935" cy="2905125"/>
+          </a:xfrm>
+          <a:prstGeom prst="rect">
+            <a:avLst/>
+          </a:prstGeom>
+        </p:spPr>
+      </p:pic>
+      <p:pic>
+        <p:nvPicPr>
+          <p:cNvPr id="6" name="图片 5" descr="23"/>
+          <p:cNvPicPr>
+            <a:picLocks noChangeAspect="1"/>
+          </p:cNvPicPr>
+          <p:nvPr/>
+        </p:nvPicPr>
+        <p:blipFill>
+          <a:blip r:embed="rId3"/>
+          <a:stretch>
+            <a:fillRect/>
+          </a:stretch>
+        </p:blipFill>
+        <p:spPr>
+          <a:xfrm>
+            <a:off x="295910" y="3768090"/>
+            <a:ext cx="5354320" cy="2945130"/>
+          </a:xfrm>
+          <a:prstGeom prst="rect">
+            <a:avLst/>
+          </a:prstGeom>
+        </p:spPr>
+      </p:pic>
+    </p:spTree>
+  </p:cSld>
+  <p:clrMapOvr>
+    <a:masterClrMapping/>
+  </p:clrMapOvr>
+</p:sld>
+</file>
+
+<file path=ppt/slides/slide14.xml><?xml version="1.0" encoding="utf-8"?>
+<p:sld xmlns:a="http://schemas.openxmlformats.org/drawingml/2006/main" xmlns:r="http://schemas.openxmlformats.org/officeDocument/2006/relationships" xmlns:p="http://schemas.openxmlformats.org/presentationml/2006/main">
+  <p:cSld>
+    <p:spTree>
+      <p:nvGrpSpPr>
+        <p:cNvPr id="1" name=""/>
+        <p:cNvGrpSpPr/>
+        <p:nvPr/>
+      </p:nvGrpSpPr>
+      <p:grpSpPr/>
+      <p:sp>
+        <p:nvSpPr>
+          <p:cNvPr id="9" name="文本框 8"/>
+          <p:cNvSpPr txBox="1"/>
+          <p:nvPr/>
+        </p:nvSpPr>
+        <p:spPr>
+          <a:xfrm>
+            <a:off x="295910" y="246380"/>
+            <a:ext cx="11633200" cy="368300"/>
+          </a:xfrm>
+          <a:prstGeom prst="rect">
+            <a:avLst/>
+          </a:prstGeom>
+          <a:noFill/>
+        </p:spPr>
+        <p:txBody>
+          <a:bodyPr wrap="square" rtlCol="0">
+            <a:spAutoFit/>
+          </a:bodyPr>
+          <a:p>
+            <a:pPr algn="l"/>
+            <a:r>
+              <a:rPr lang="zh-CN" altLang="en-US">
+                <a:latin typeface="微软雅黑" panose="020B0503020204020204" charset="-122"/>
+                <a:ea typeface="微软雅黑" panose="020B0503020204020204" charset="-122"/>
+                <a:sym typeface="+mn-ea"/>
+              </a:rPr>
+              <a:t>如何</a:t>
+            </a:r>
+            <a:r>
+              <a:rPr lang="zh-CN" altLang="en-US">
+                <a:latin typeface="微软雅黑" panose="020B0503020204020204" charset="-122"/>
+                <a:ea typeface="微软雅黑" panose="020B0503020204020204" charset="-122"/>
+                <a:sym typeface="+mn-ea"/>
+              </a:rPr>
+              <a:t>替换？</a:t>
+            </a:r>
+            <a:endParaRPr lang="en-US" altLang="zh-CN">
+              <a:latin typeface="微软雅黑" panose="020B0503020204020204" charset="-122"/>
+              <a:ea typeface="微软雅黑" panose="020B0503020204020204" charset="-122"/>
+              <a:sym typeface="+mn-ea"/>
+            </a:endParaRPr>
+          </a:p>
+        </p:txBody>
+      </p:sp>
+      <p:pic>
+        <p:nvPicPr>
+          <p:cNvPr id="2" name="图片 1" descr="26"/>
+          <p:cNvPicPr>
+            <a:picLocks noChangeAspect="1"/>
+          </p:cNvPicPr>
+          <p:nvPr/>
+        </p:nvPicPr>
+        <p:blipFill>
+          <a:blip r:embed="rId1"/>
+          <a:stretch>
+            <a:fillRect/>
+          </a:stretch>
+        </p:blipFill>
+        <p:spPr>
+          <a:xfrm>
+            <a:off x="295910" y="730885"/>
+            <a:ext cx="2714625" cy="1295400"/>
+          </a:xfrm>
+          <a:prstGeom prst="rect">
+            <a:avLst/>
+          </a:prstGeom>
+        </p:spPr>
+      </p:pic>
+    </p:spTree>
+  </p:cSld>
+  <p:clrMapOvr>
+    <a:masterClrMapping/>
+  </p:clrMapOvr>
+</p:sld>
+</file>
+
+<file path=ppt/slides/slide15.xml><?xml version="1.0" encoding="utf-8"?>
 <p:sld xmlns:a="http://schemas.openxmlformats.org/drawingml/2006/main" xmlns:r="http://schemas.openxmlformats.org/officeDocument/2006/relationships" xmlns:p="http://schemas.openxmlformats.org/presentationml/2006/main">
   <p:cSld>
     <p:bg>
@@ -4316,7 +4950,7 @@
 </p:sld>
 </file>
 
-<file path=ppt/slides/slide11.xml><?xml version="1.0" encoding="utf-8"?>
+<file path=ppt/slides/slide16.xml><?xml version="1.0" encoding="utf-8"?>
 <p:sld xmlns:a="http://schemas.openxmlformats.org/drawingml/2006/main" xmlns:r="http://schemas.openxmlformats.org/officeDocument/2006/relationships" xmlns:p="http://schemas.openxmlformats.org/presentationml/2006/main">
   <p:cSld>
     <p:bg>
@@ -5635,7 +6269,7 @@
 </p:sld>
 </file>
 
-<file path=ppt/slides/slide12.xml><?xml version="1.0" encoding="utf-8"?>
+<file path=ppt/slides/slide17.xml><?xml version="1.0" encoding="utf-8"?>
 <p:sld xmlns:a="http://schemas.openxmlformats.org/drawingml/2006/main" xmlns:r="http://schemas.openxmlformats.org/officeDocument/2006/relationships" xmlns:p="http://schemas.openxmlformats.org/presentationml/2006/main">
   <p:cSld>
     <p:bg>
@@ -6418,7 +7052,7 @@
 </p:sld>
 </file>
 
-<file path=ppt/slides/slide13.xml><?xml version="1.0" encoding="utf-8"?>
+<file path=ppt/slides/slide18.xml><?xml version="1.0" encoding="utf-8"?>
 <p:sld xmlns:a="http://schemas.openxmlformats.org/drawingml/2006/main" xmlns:r="http://schemas.openxmlformats.org/officeDocument/2006/relationships" xmlns:p="http://schemas.openxmlformats.org/presentationml/2006/main">
   <p:cSld>
     <p:bg>
@@ -7462,7 +8096,7 @@
 </p:sld>
 </file>
 
-<file path=ppt/slides/slide14.xml><?xml version="1.0" encoding="utf-8"?>
+<file path=ppt/slides/slide19.xml><?xml version="1.0" encoding="utf-8"?>
 <p:sld xmlns:a="http://schemas.openxmlformats.org/drawingml/2006/main" xmlns:r="http://schemas.openxmlformats.org/officeDocument/2006/relationships" xmlns:p="http://schemas.openxmlformats.org/presentationml/2006/main">
   <p:cSld>
     <p:bg>
@@ -8245,7 +8879,347 @@
 </p:sld>
 </file>
 
-<file path=ppt/slides/slide15.xml><?xml version="1.0" encoding="utf-8"?>
+<file path=ppt/slides/slide2.xml><?xml version="1.0" encoding="utf-8"?>
+<p:sld xmlns:a="http://schemas.openxmlformats.org/drawingml/2006/main" xmlns:r="http://schemas.openxmlformats.org/officeDocument/2006/relationships" xmlns:p="http://schemas.openxmlformats.org/presentationml/2006/main">
+  <p:cSld>
+    <p:bg>
+      <p:bgPr>
+        <a:solidFill>
+          <a:srgbClr val="F5F5F5"/>
+        </a:solidFill>
+        <a:effectLst/>
+      </p:bgPr>
+    </p:bg>
+    <p:spTree>
+      <p:nvGrpSpPr>
+        <p:cNvPr id="1" name=""/>
+        <p:cNvGrpSpPr/>
+        <p:nvPr/>
+      </p:nvGrpSpPr>
+      <p:grpSpPr/>
+      <p:grpSp>
+        <p:nvGrpSpPr>
+          <p:cNvPr id="23" name="组合 22"/>
+          <p:cNvGrpSpPr/>
+          <p:nvPr/>
+        </p:nvGrpSpPr>
+        <p:grpSpPr>
+          <a:xfrm>
+            <a:off x="2505710" y="188595"/>
+            <a:ext cx="6685915" cy="5297805"/>
+            <a:chOff x="3946" y="297"/>
+            <a:chExt cx="10529" cy="8343"/>
+          </a:xfrm>
+        </p:grpSpPr>
+        <p:sp>
+          <p:nvSpPr>
+            <p:cNvPr id="25" name="椭圆 24"/>
+            <p:cNvSpPr/>
+            <p:nvPr/>
+          </p:nvSpPr>
+          <p:spPr>
+            <a:xfrm>
+              <a:off x="9379" y="297"/>
+              <a:ext cx="365" cy="365"/>
+            </a:xfrm>
+            <a:prstGeom prst="ellipse">
+              <a:avLst/>
+            </a:prstGeom>
+            <a:solidFill>
+              <a:schemeClr val="tx1"/>
+            </a:solidFill>
+            <a:ln>
+              <a:noFill/>
+            </a:ln>
+          </p:spPr>
+          <p:style>
+            <a:lnRef idx="2">
+              <a:schemeClr val="accent1">
+                <a:shade val="50000"/>
+              </a:schemeClr>
+            </a:lnRef>
+            <a:fillRef idx="1">
+              <a:schemeClr val="accent1"/>
+            </a:fillRef>
+            <a:effectRef idx="0">
+              <a:schemeClr val="accent1"/>
+            </a:effectRef>
+            <a:fontRef idx="minor">
+              <a:schemeClr val="lt1"/>
+            </a:fontRef>
+          </p:style>
+          <p:txBody>
+            <a:bodyPr rtlCol="0" anchor="ctr"/>
+            <a:p>
+              <a:pPr algn="ctr"/>
+              <a:endParaRPr lang="zh-CN" altLang="en-US">
+                <a:solidFill>
+                  <a:schemeClr val="tx1"/>
+                </a:solidFill>
+              </a:endParaRPr>
+            </a:p>
+          </p:txBody>
+        </p:sp>
+        <p:sp>
+          <p:nvSpPr>
+            <p:cNvPr id="26" name="椭圆 25"/>
+            <p:cNvSpPr/>
+            <p:nvPr/>
+          </p:nvSpPr>
+          <p:spPr>
+            <a:xfrm>
+              <a:off x="9418" y="937"/>
+              <a:ext cx="288" cy="288"/>
+            </a:xfrm>
+            <a:prstGeom prst="ellipse">
+              <a:avLst/>
+            </a:prstGeom>
+            <a:solidFill>
+              <a:schemeClr val="tx1"/>
+            </a:solidFill>
+            <a:ln>
+              <a:noFill/>
+            </a:ln>
+          </p:spPr>
+          <p:style>
+            <a:lnRef idx="2">
+              <a:schemeClr val="accent1">
+                <a:shade val="50000"/>
+              </a:schemeClr>
+            </a:lnRef>
+            <a:fillRef idx="1">
+              <a:schemeClr val="accent1"/>
+            </a:fillRef>
+            <a:effectRef idx="0">
+              <a:schemeClr val="accent1"/>
+            </a:effectRef>
+            <a:fontRef idx="minor">
+              <a:schemeClr val="lt1"/>
+            </a:fontRef>
+          </p:style>
+          <p:txBody>
+            <a:bodyPr rtlCol="0" anchor="ctr"/>
+            <a:p>
+              <a:pPr algn="ctr"/>
+              <a:endParaRPr lang="zh-CN" altLang="en-US">
+                <a:solidFill>
+                  <a:schemeClr val="tx1"/>
+                </a:solidFill>
+              </a:endParaRPr>
+            </a:p>
+          </p:txBody>
+        </p:sp>
+        <p:sp>
+          <p:nvSpPr>
+            <p:cNvPr id="27" name="椭圆 26"/>
+            <p:cNvSpPr/>
+            <p:nvPr/>
+          </p:nvSpPr>
+          <p:spPr>
+            <a:xfrm>
+              <a:off x="9487" y="1942"/>
+              <a:ext cx="151" cy="151"/>
+            </a:xfrm>
+            <a:prstGeom prst="ellipse">
+              <a:avLst/>
+            </a:prstGeom>
+            <a:solidFill>
+              <a:schemeClr val="tx1"/>
+            </a:solidFill>
+            <a:ln>
+              <a:noFill/>
+            </a:ln>
+          </p:spPr>
+          <p:style>
+            <a:lnRef idx="2">
+              <a:schemeClr val="accent1">
+                <a:shade val="50000"/>
+              </a:schemeClr>
+            </a:lnRef>
+            <a:fillRef idx="1">
+              <a:schemeClr val="accent1"/>
+            </a:fillRef>
+            <a:effectRef idx="0">
+              <a:schemeClr val="accent1"/>
+            </a:effectRef>
+            <a:fontRef idx="minor">
+              <a:schemeClr val="lt1"/>
+            </a:fontRef>
+          </p:style>
+          <p:txBody>
+            <a:bodyPr rtlCol="0" anchor="ctr"/>
+            <a:p>
+              <a:pPr algn="ctr"/>
+              <a:endParaRPr lang="zh-CN" altLang="en-US">
+                <a:solidFill>
+                  <a:schemeClr val="tx1"/>
+                </a:solidFill>
+              </a:endParaRPr>
+            </a:p>
+          </p:txBody>
+        </p:sp>
+        <p:sp>
+          <p:nvSpPr>
+            <p:cNvPr id="2" name="文本框 1"/>
+            <p:cNvSpPr txBox="1"/>
+            <p:nvPr/>
+          </p:nvSpPr>
+          <p:spPr>
+            <a:xfrm>
+              <a:off x="8695" y="1362"/>
+              <a:ext cx="1732" cy="580"/>
+            </a:xfrm>
+            <a:prstGeom prst="rect">
+              <a:avLst/>
+            </a:prstGeom>
+            <a:noFill/>
+          </p:spPr>
+          <p:txBody>
+            <a:bodyPr wrap="none" rtlCol="0">
+              <a:spAutoFit/>
+            </a:bodyPr>
+            <a:p>
+              <a:r>
+                <a:rPr lang="zh-CN" altLang="en-US" b="1">
+                  <a:solidFill>
+                    <a:schemeClr val="tx1"/>
+                  </a:solidFill>
+                  <a:latin typeface="微软雅黑" panose="020B0503020204020204" charset="-122"/>
+                  <a:ea typeface="微软雅黑" panose="020B0503020204020204" charset="-122"/>
+                </a:rPr>
+                <a:t>效果对比</a:t>
+              </a:r>
+              <a:endParaRPr lang="zh-CN" altLang="en-US" b="1">
+                <a:solidFill>
+                  <a:schemeClr val="tx1"/>
+                </a:solidFill>
+                <a:latin typeface="微软雅黑" panose="020B0503020204020204" charset="-122"/>
+                <a:ea typeface="微软雅黑" panose="020B0503020204020204" charset="-122"/>
+              </a:endParaRPr>
+            </a:p>
+          </p:txBody>
+        </p:sp>
+        <p:cxnSp>
+          <p:nvCxnSpPr>
+            <p:cNvPr id="6" name="直接连接符 5"/>
+            <p:cNvCxnSpPr/>
+            <p:nvPr/>
+          </p:nvCxnSpPr>
+          <p:spPr>
+            <a:xfrm>
+              <a:off x="9599" y="4177"/>
+              <a:ext cx="1" cy="4463"/>
+            </a:xfrm>
+            <a:prstGeom prst="line">
+              <a:avLst/>
+            </a:prstGeom>
+            <a:ln w="31750">
+              <a:solidFill>
+                <a:schemeClr val="tx1"/>
+              </a:solidFill>
+            </a:ln>
+          </p:spPr>
+          <p:style>
+            <a:lnRef idx="1">
+              <a:schemeClr val="accent1"/>
+            </a:lnRef>
+            <a:fillRef idx="0">
+              <a:schemeClr val="accent1"/>
+            </a:fillRef>
+            <a:effectRef idx="0">
+              <a:schemeClr val="accent1"/>
+            </a:effectRef>
+            <a:fontRef idx="minor">
+              <a:schemeClr val="tx1"/>
+            </a:fontRef>
+          </p:style>
+        </p:cxnSp>
+        <p:sp>
+          <p:nvSpPr>
+            <p:cNvPr id="5" name="文本框 4"/>
+            <p:cNvSpPr txBox="1"/>
+            <p:nvPr/>
+          </p:nvSpPr>
+          <p:spPr>
+            <a:xfrm>
+              <a:off x="3946" y="7376"/>
+              <a:ext cx="1569" cy="580"/>
+            </a:xfrm>
+            <a:prstGeom prst="rect">
+              <a:avLst/>
+            </a:prstGeom>
+            <a:noFill/>
+          </p:spPr>
+          <p:txBody>
+            <a:bodyPr wrap="none" rtlCol="0">
+              <a:spAutoFit/>
+            </a:bodyPr>
+            <a:p>
+              <a:pPr lvl="0" algn="l">
+                <a:buClrTx/>
+                <a:buSzTx/>
+                <a:buFontTx/>
+              </a:pPr>
+              <a:r>
+                <a:rPr lang="en-US" altLang="zh-CN" b="1">
+                  <a:latin typeface="微软雅黑" panose="020B0503020204020204" charset="-122"/>
+                  <a:ea typeface="微软雅黑" panose="020B0503020204020204" charset="-122"/>
+                  <a:sym typeface="+mn-ea"/>
+                </a:rPr>
+                <a:t>PART 2</a:t>
+              </a:r>
+              <a:endParaRPr lang="en-US" altLang="zh-CN" b="1">
+                <a:latin typeface="微软雅黑" panose="020B0503020204020204" charset="-122"/>
+                <a:ea typeface="微软雅黑" panose="020B0503020204020204" charset="-122"/>
+                <a:sym typeface="+mn-ea"/>
+              </a:endParaRPr>
+            </a:p>
+          </p:txBody>
+        </p:sp>
+        <p:sp>
+          <p:nvSpPr>
+            <p:cNvPr id="15" name="文本框 14"/>
+            <p:cNvSpPr txBox="1"/>
+            <p:nvPr/>
+          </p:nvSpPr>
+          <p:spPr>
+            <a:xfrm>
+              <a:off x="12282" y="7376"/>
+              <a:ext cx="2193" cy="580"/>
+            </a:xfrm>
+            <a:prstGeom prst="rect">
+              <a:avLst/>
+            </a:prstGeom>
+            <a:noFill/>
+          </p:spPr>
+          <p:txBody>
+            <a:bodyPr wrap="none" rtlCol="0">
+              <a:spAutoFit/>
+            </a:bodyPr>
+            <a:p>
+              <a:pPr marL="669290" indent="-669290"/>
+              <a:r>
+                <a:rPr lang="en-US" altLang="zh-CN" b="1"/>
+                <a:t> </a:t>
+              </a:r>
+              <a:r>
+                <a:rPr lang="zh-CN" altLang="en-US" b="1"/>
+                <a:t>新工作计划</a:t>
+              </a:r>
+              <a:endParaRPr lang="zh-CN" altLang="en-US" b="1"/>
+            </a:p>
+          </p:txBody>
+        </p:sp>
+      </p:grpSp>
+    </p:spTree>
+  </p:cSld>
+  <p:clrMapOvr>
+    <a:masterClrMapping/>
+  </p:clrMapOvr>
+</p:sld>
+</file>
+
+<file path=ppt/slides/slide20.xml><?xml version="1.0" encoding="utf-8"?>
 <p:sld xmlns:a="http://schemas.openxmlformats.org/drawingml/2006/main" xmlns:r="http://schemas.openxmlformats.org/officeDocument/2006/relationships" xmlns:p="http://schemas.openxmlformats.org/presentationml/2006/main">
   <p:cSld>
     <p:bg>
@@ -9419,7 +10393,7 @@
 </p:sld>
 </file>
 
-<file path=ppt/slides/slide16.xml><?xml version="1.0" encoding="utf-8"?>
+<file path=ppt/slides/slide21.xml><?xml version="1.0" encoding="utf-8"?>
 <p:sld xmlns:a="http://schemas.openxmlformats.org/drawingml/2006/main" xmlns:r="http://schemas.openxmlformats.org/officeDocument/2006/relationships" xmlns:p="http://schemas.openxmlformats.org/presentationml/2006/main">
   <p:cSld>
     <p:bg>
@@ -10409,7 +11383,7 @@
 </p:sld>
 </file>
 
-<file path=ppt/slides/slide17.xml><?xml version="1.0" encoding="utf-8"?>
+<file path=ppt/slides/slide22.xml><?xml version="1.0" encoding="utf-8"?>
 <p:sld xmlns:a="http://schemas.openxmlformats.org/drawingml/2006/main" xmlns:r="http://schemas.openxmlformats.org/officeDocument/2006/relationships" xmlns:p="http://schemas.openxmlformats.org/presentationml/2006/main">
   <p:cSld>
     <p:bg>
@@ -11162,346 +12136,6 @@
                 <a:t>日</a:t>
               </a:r>
               <a:endParaRPr lang="zh-CN" altLang="en-US"/>
-            </a:p>
-          </p:txBody>
-        </p:sp>
-      </p:grpSp>
-    </p:spTree>
-  </p:cSld>
-  <p:clrMapOvr>
-    <a:masterClrMapping/>
-  </p:clrMapOvr>
-</p:sld>
-</file>
-
-<file path=ppt/slides/slide2.xml><?xml version="1.0" encoding="utf-8"?>
-<p:sld xmlns:a="http://schemas.openxmlformats.org/drawingml/2006/main" xmlns:r="http://schemas.openxmlformats.org/officeDocument/2006/relationships" xmlns:p="http://schemas.openxmlformats.org/presentationml/2006/main">
-  <p:cSld>
-    <p:bg>
-      <p:bgPr>
-        <a:solidFill>
-          <a:srgbClr val="F5F5F5"/>
-        </a:solidFill>
-        <a:effectLst/>
-      </p:bgPr>
-    </p:bg>
-    <p:spTree>
-      <p:nvGrpSpPr>
-        <p:cNvPr id="1" name=""/>
-        <p:cNvGrpSpPr/>
-        <p:nvPr/>
-      </p:nvGrpSpPr>
-      <p:grpSpPr/>
-      <p:grpSp>
-        <p:nvGrpSpPr>
-          <p:cNvPr id="23" name="组合 22"/>
-          <p:cNvGrpSpPr/>
-          <p:nvPr/>
-        </p:nvGrpSpPr>
-        <p:grpSpPr>
-          <a:xfrm>
-            <a:off x="2505710" y="188595"/>
-            <a:ext cx="6685915" cy="5297805"/>
-            <a:chOff x="3946" y="297"/>
-            <a:chExt cx="10529" cy="8343"/>
-          </a:xfrm>
-        </p:grpSpPr>
-        <p:sp>
-          <p:nvSpPr>
-            <p:cNvPr id="25" name="椭圆 24"/>
-            <p:cNvSpPr/>
-            <p:nvPr/>
-          </p:nvSpPr>
-          <p:spPr>
-            <a:xfrm>
-              <a:off x="9379" y="297"/>
-              <a:ext cx="365" cy="365"/>
-            </a:xfrm>
-            <a:prstGeom prst="ellipse">
-              <a:avLst/>
-            </a:prstGeom>
-            <a:solidFill>
-              <a:schemeClr val="tx1"/>
-            </a:solidFill>
-            <a:ln>
-              <a:noFill/>
-            </a:ln>
-          </p:spPr>
-          <p:style>
-            <a:lnRef idx="2">
-              <a:schemeClr val="accent1">
-                <a:shade val="50000"/>
-              </a:schemeClr>
-            </a:lnRef>
-            <a:fillRef idx="1">
-              <a:schemeClr val="accent1"/>
-            </a:fillRef>
-            <a:effectRef idx="0">
-              <a:schemeClr val="accent1"/>
-            </a:effectRef>
-            <a:fontRef idx="minor">
-              <a:schemeClr val="lt1"/>
-            </a:fontRef>
-          </p:style>
-          <p:txBody>
-            <a:bodyPr rtlCol="0" anchor="ctr"/>
-            <a:p>
-              <a:pPr algn="ctr"/>
-              <a:endParaRPr lang="zh-CN" altLang="en-US">
-                <a:solidFill>
-                  <a:schemeClr val="tx1"/>
-                </a:solidFill>
-              </a:endParaRPr>
-            </a:p>
-          </p:txBody>
-        </p:sp>
-        <p:sp>
-          <p:nvSpPr>
-            <p:cNvPr id="26" name="椭圆 25"/>
-            <p:cNvSpPr/>
-            <p:nvPr/>
-          </p:nvSpPr>
-          <p:spPr>
-            <a:xfrm>
-              <a:off x="9418" y="937"/>
-              <a:ext cx="288" cy="288"/>
-            </a:xfrm>
-            <a:prstGeom prst="ellipse">
-              <a:avLst/>
-            </a:prstGeom>
-            <a:solidFill>
-              <a:schemeClr val="tx1"/>
-            </a:solidFill>
-            <a:ln>
-              <a:noFill/>
-            </a:ln>
-          </p:spPr>
-          <p:style>
-            <a:lnRef idx="2">
-              <a:schemeClr val="accent1">
-                <a:shade val="50000"/>
-              </a:schemeClr>
-            </a:lnRef>
-            <a:fillRef idx="1">
-              <a:schemeClr val="accent1"/>
-            </a:fillRef>
-            <a:effectRef idx="0">
-              <a:schemeClr val="accent1"/>
-            </a:effectRef>
-            <a:fontRef idx="minor">
-              <a:schemeClr val="lt1"/>
-            </a:fontRef>
-          </p:style>
-          <p:txBody>
-            <a:bodyPr rtlCol="0" anchor="ctr"/>
-            <a:p>
-              <a:pPr algn="ctr"/>
-              <a:endParaRPr lang="zh-CN" altLang="en-US">
-                <a:solidFill>
-                  <a:schemeClr val="tx1"/>
-                </a:solidFill>
-              </a:endParaRPr>
-            </a:p>
-          </p:txBody>
-        </p:sp>
-        <p:sp>
-          <p:nvSpPr>
-            <p:cNvPr id="27" name="椭圆 26"/>
-            <p:cNvSpPr/>
-            <p:nvPr/>
-          </p:nvSpPr>
-          <p:spPr>
-            <a:xfrm>
-              <a:off x="9487" y="1942"/>
-              <a:ext cx="151" cy="151"/>
-            </a:xfrm>
-            <a:prstGeom prst="ellipse">
-              <a:avLst/>
-            </a:prstGeom>
-            <a:solidFill>
-              <a:schemeClr val="tx1"/>
-            </a:solidFill>
-            <a:ln>
-              <a:noFill/>
-            </a:ln>
-          </p:spPr>
-          <p:style>
-            <a:lnRef idx="2">
-              <a:schemeClr val="accent1">
-                <a:shade val="50000"/>
-              </a:schemeClr>
-            </a:lnRef>
-            <a:fillRef idx="1">
-              <a:schemeClr val="accent1"/>
-            </a:fillRef>
-            <a:effectRef idx="0">
-              <a:schemeClr val="accent1"/>
-            </a:effectRef>
-            <a:fontRef idx="minor">
-              <a:schemeClr val="lt1"/>
-            </a:fontRef>
-          </p:style>
-          <p:txBody>
-            <a:bodyPr rtlCol="0" anchor="ctr"/>
-            <a:p>
-              <a:pPr algn="ctr"/>
-              <a:endParaRPr lang="zh-CN" altLang="en-US">
-                <a:solidFill>
-                  <a:schemeClr val="tx1"/>
-                </a:solidFill>
-              </a:endParaRPr>
-            </a:p>
-          </p:txBody>
-        </p:sp>
-        <p:sp>
-          <p:nvSpPr>
-            <p:cNvPr id="2" name="文本框 1"/>
-            <p:cNvSpPr txBox="1"/>
-            <p:nvPr/>
-          </p:nvSpPr>
-          <p:spPr>
-            <a:xfrm>
-              <a:off x="8695" y="1362"/>
-              <a:ext cx="1732" cy="580"/>
-            </a:xfrm>
-            <a:prstGeom prst="rect">
-              <a:avLst/>
-            </a:prstGeom>
-            <a:noFill/>
-          </p:spPr>
-          <p:txBody>
-            <a:bodyPr wrap="none" rtlCol="0">
-              <a:spAutoFit/>
-            </a:bodyPr>
-            <a:p>
-              <a:r>
-                <a:rPr lang="zh-CN" altLang="en-US" b="1">
-                  <a:solidFill>
-                    <a:schemeClr val="tx1"/>
-                  </a:solidFill>
-                  <a:latin typeface="微软雅黑" panose="020B0503020204020204" charset="-122"/>
-                  <a:ea typeface="微软雅黑" panose="020B0503020204020204" charset="-122"/>
-                </a:rPr>
-                <a:t>效果对比</a:t>
-              </a:r>
-              <a:endParaRPr lang="zh-CN" altLang="en-US" b="1">
-                <a:solidFill>
-                  <a:schemeClr val="tx1"/>
-                </a:solidFill>
-                <a:latin typeface="微软雅黑" panose="020B0503020204020204" charset="-122"/>
-                <a:ea typeface="微软雅黑" panose="020B0503020204020204" charset="-122"/>
-              </a:endParaRPr>
-            </a:p>
-          </p:txBody>
-        </p:sp>
-        <p:cxnSp>
-          <p:nvCxnSpPr>
-            <p:cNvPr id="6" name="直接连接符 5"/>
-            <p:cNvCxnSpPr/>
-            <p:nvPr/>
-          </p:nvCxnSpPr>
-          <p:spPr>
-            <a:xfrm>
-              <a:off x="9599" y="4177"/>
-              <a:ext cx="1" cy="4463"/>
-            </a:xfrm>
-            <a:prstGeom prst="line">
-              <a:avLst/>
-            </a:prstGeom>
-            <a:ln w="31750">
-              <a:solidFill>
-                <a:schemeClr val="tx1"/>
-              </a:solidFill>
-            </a:ln>
-          </p:spPr>
-          <p:style>
-            <a:lnRef idx="1">
-              <a:schemeClr val="accent1"/>
-            </a:lnRef>
-            <a:fillRef idx="0">
-              <a:schemeClr val="accent1"/>
-            </a:fillRef>
-            <a:effectRef idx="0">
-              <a:schemeClr val="accent1"/>
-            </a:effectRef>
-            <a:fontRef idx="minor">
-              <a:schemeClr val="tx1"/>
-            </a:fontRef>
-          </p:style>
-        </p:cxnSp>
-        <p:sp>
-          <p:nvSpPr>
-            <p:cNvPr id="5" name="文本框 4"/>
-            <p:cNvSpPr txBox="1"/>
-            <p:nvPr/>
-          </p:nvSpPr>
-          <p:spPr>
-            <a:xfrm>
-              <a:off x="3946" y="7376"/>
-              <a:ext cx="1569" cy="580"/>
-            </a:xfrm>
-            <a:prstGeom prst="rect">
-              <a:avLst/>
-            </a:prstGeom>
-            <a:noFill/>
-          </p:spPr>
-          <p:txBody>
-            <a:bodyPr wrap="none" rtlCol="0">
-              <a:spAutoFit/>
-            </a:bodyPr>
-            <a:p>
-              <a:pPr lvl="0" algn="l">
-                <a:buClrTx/>
-                <a:buSzTx/>
-                <a:buFontTx/>
-              </a:pPr>
-              <a:r>
-                <a:rPr lang="en-US" altLang="zh-CN" b="1">
-                  <a:latin typeface="微软雅黑" panose="020B0503020204020204" charset="-122"/>
-                  <a:ea typeface="微软雅黑" panose="020B0503020204020204" charset="-122"/>
-                  <a:sym typeface="+mn-ea"/>
-                </a:rPr>
-                <a:t>PART 2</a:t>
-              </a:r>
-              <a:endParaRPr lang="en-US" altLang="zh-CN" b="1">
-                <a:latin typeface="微软雅黑" panose="020B0503020204020204" charset="-122"/>
-                <a:ea typeface="微软雅黑" panose="020B0503020204020204" charset="-122"/>
-                <a:sym typeface="+mn-ea"/>
-              </a:endParaRPr>
-            </a:p>
-          </p:txBody>
-        </p:sp>
-        <p:sp>
-          <p:nvSpPr>
-            <p:cNvPr id="15" name="文本框 14"/>
-            <p:cNvSpPr txBox="1"/>
-            <p:nvPr/>
-          </p:nvSpPr>
-          <p:spPr>
-            <a:xfrm>
-              <a:off x="12282" y="7376"/>
-              <a:ext cx="2193" cy="580"/>
-            </a:xfrm>
-            <a:prstGeom prst="rect">
-              <a:avLst/>
-            </a:prstGeom>
-            <a:noFill/>
-          </p:spPr>
-          <p:txBody>
-            <a:bodyPr wrap="none" rtlCol="0">
-              <a:spAutoFit/>
-            </a:bodyPr>
-            <a:p>
-              <a:pPr marL="669290" indent="-669290"/>
-              <a:r>
-                <a:rPr lang="en-US" altLang="zh-CN" b="1"/>
-                <a:t> </a:t>
-              </a:r>
-              <a:r>
-                <a:rPr lang="zh-CN" altLang="en-US" b="1"/>
-                <a:t>新工作计划</a:t>
-              </a:r>
-              <a:endParaRPr lang="zh-CN" altLang="en-US" b="1"/>
             </a:p>
           </p:txBody>
         </p:sp>
